--- a/StockTrade/ppt/StockTrade_slides.pptx
+++ b/StockTrade/ppt/StockTrade_slides.pptx
@@ -3619,6 +3619,13 @@
   <p:clrMapOvr>
     <a:masterClrMapping/>
   </p:clrMapOvr>
+  <p:timing>
+    <p:tnLst>
+      <p:par>
+        <p:cTn id="1" dur="indefinite" restart="never" nodeType="tmRoot"/>
+      </p:par>
+    </p:tnLst>
+  </p:timing>
 </p:sld>
 </file>
 
@@ -3742,36 +3749,6 @@
       </p:sp>
       <p:sp>
         <p:nvSpPr>
-          <p:cNvPr id="3" name="Footer Placeholder 2">
-            <a:extLst>
-              <a:ext uri="{FF2B5EF4-FFF2-40B4-BE49-F238E27FC236}">
-                <a16:creationId xmlns:a16="http://schemas.microsoft.com/office/drawing/2014/main" id="{73C2BF46-762B-764B-BDAD-6D38A502A3D1}"/>
-              </a:ext>
-            </a:extLst>
-          </p:cNvPr>
-          <p:cNvSpPr>
-            <a:spLocks noGrp="1"/>
-          </p:cNvSpPr>
-          <p:nvPr>
-            <p:ph type="ftr" sz="quarter" idx="11"/>
-          </p:nvPr>
-        </p:nvSpPr>
-        <p:spPr/>
-        <p:txBody>
-          <a:bodyPr/>
-          <a:lstStyle/>
-          <a:p>
-            <a:pPr algn="r"/>
-            <a:r>
-              <a:rPr lang="en-US"/>
-              <a:t>Introduction to HPCC Systems, ECL, and ECL Machine Learning</a:t>
-            </a:r>
-            <a:endParaRPr lang="en-US" dirty="0"/>
-          </a:p>
-        </p:txBody>
-      </p:sp>
-      <p:sp>
-        <p:nvSpPr>
           <p:cNvPr id="4" name="Slide Number Placeholder 3">
             <a:extLst>
               <a:ext uri="{FF2B5EF4-FFF2-40B4-BE49-F238E27FC236}">
@@ -3809,7 +3786,7 @@
         </p:nvSpPr>
         <p:spPr>
           <a:xfrm>
-            <a:off x="257907" y="4729733"/>
+            <a:off x="257907" y="4190471"/>
             <a:ext cx="8389128" cy="740587"/>
           </a:xfrm>
           <a:prstGeom prst="rect">
@@ -3855,6 +3832,13 @@
       </p:transition>
     </mc:Fallback>
   </mc:AlternateContent>
+  <p:timing>
+    <p:tnLst>
+      <p:par>
+        <p:cTn id="1" dur="indefinite" restart="never" nodeType="tmRoot"/>
+      </p:par>
+    </p:tnLst>
+  </p:timing>
 </p:sld>
 </file>
 
@@ -5235,6 +5219,13 @@
   <p:clrMapOvr>
     <a:masterClrMapping/>
   </p:clrMapOvr>
+  <p:timing>
+    <p:tnLst>
+      <p:par>
+        <p:cTn id="1" dur="indefinite" restart="never" nodeType="tmRoot"/>
+      </p:par>
+    </p:tnLst>
+  </p:timing>
 </p:sld>
 </file>
 
@@ -5513,6 +5504,13 @@
   <p:clrMapOvr>
     <a:masterClrMapping/>
   </p:clrMapOvr>
+  <p:timing>
+    <p:tnLst>
+      <p:par>
+        <p:cTn id="1" dur="indefinite" restart="never" nodeType="tmRoot"/>
+      </p:par>
+    </p:tnLst>
+  </p:timing>
 </p:sld>
 </file>
 
@@ -5675,8 +5673,8 @@
         </p:blipFill>
         <p:spPr>
           <a:xfrm>
-            <a:off x="331998" y="756031"/>
-            <a:ext cx="6083808" cy="2424795"/>
+            <a:off x="331997" y="756031"/>
+            <a:ext cx="6456465" cy="2573323"/>
           </a:xfrm>
           <a:prstGeom prst="rect">
             <a:avLst/>
@@ -5742,6 +5740,13 @@
   <p:clrMapOvr>
     <a:masterClrMapping/>
   </p:clrMapOvr>
+  <p:timing>
+    <p:tnLst>
+      <p:par>
+        <p:cTn id="1" dur="indefinite" restart="never" nodeType="tmRoot"/>
+      </p:par>
+    </p:tnLst>
+  </p:timing>
 </p:sld>
 </file>
 
@@ -6021,6 +6026,13 @@
   <p:clrMapOvr>
     <a:masterClrMapping/>
   </p:clrMapOvr>
+  <p:timing>
+    <p:tnLst>
+      <p:par>
+        <p:cTn id="1" dur="indefinite" restart="never" nodeType="tmRoot"/>
+      </p:par>
+    </p:tnLst>
+  </p:timing>
 </p:sld>
 </file>
 
@@ -6043,30 +6055,6 @@
       </p:grpSpPr>
       <p:sp>
         <p:nvSpPr>
-          <p:cNvPr id="2" name="Footer Placeholder 1"/>
-          <p:cNvSpPr>
-            <a:spLocks noGrp="1"/>
-          </p:cNvSpPr>
-          <p:nvPr>
-            <p:ph type="ftr" sz="quarter" idx="11"/>
-          </p:nvPr>
-        </p:nvSpPr>
-        <p:spPr/>
-        <p:txBody>
-          <a:bodyPr/>
-          <a:lstStyle/>
-          <a:p>
-            <a:pPr algn="r"/>
-            <a:r>
-              <a:rPr lang="en-US" smtClean="0"/>
-              <a:t>Introduction to HPCC Systems, ECL, and ECL Machine Learning</a:t>
-            </a:r>
-            <a:endParaRPr lang="en-US" dirty="0"/>
-          </a:p>
-        </p:txBody>
-      </p:sp>
-      <p:sp>
-        <p:nvSpPr>
           <p:cNvPr id="3" name="Slide Number Placeholder 2"/>
           <p:cNvSpPr>
             <a:spLocks noGrp="1"/>
@@ -6207,6 +6195,13 @@
   <p:clrMapOvr>
     <a:masterClrMapping/>
   </p:clrMapOvr>
+  <p:timing>
+    <p:tnLst>
+      <p:par>
+        <p:cTn id="1" dur="indefinite" restart="never" nodeType="tmRoot"/>
+      </p:par>
+    </p:tnLst>
+  </p:timing>
 </p:sld>
 </file>
 
